--- a/Networks/2019 Networks slides.pptx
+++ b/Networks/2019 Networks slides.pptx
@@ -22,10 +22,9 @@
     <p:sldId id="271" r:id="rId16"/>
     <p:sldId id="274" r:id="rId17"/>
     <p:sldId id="275" r:id="rId18"/>
-    <p:sldId id="276" r:id="rId19"/>
-    <p:sldId id="277" r:id="rId20"/>
-    <p:sldId id="278" r:id="rId21"/>
-    <p:sldId id="279" r:id="rId22"/>
+    <p:sldId id="277" r:id="rId19"/>
+    <p:sldId id="278" r:id="rId20"/>
+    <p:sldId id="279" r:id="rId21"/>
   </p:sldIdLst>
   <p:sldSz cx="12192000" cy="6858000"/>
   <p:notesSz cx="6858000" cy="9144000"/>
@@ -4552,58 +4551,6 @@
 <file path=ppt/slides/slide18.xml><?xml version="1.0" encoding="utf-8"?>
 <p:sld xmlns:a="http://schemas.openxmlformats.org/drawingml/2006/main" xmlns:r="http://schemas.openxmlformats.org/officeDocument/2006/relationships" xmlns:p="http://schemas.openxmlformats.org/presentationml/2006/main">
   <p:cSld>
-    <p:spTree>
-      <p:nvGrpSpPr>
-        <p:cNvPr id="1" name=""/>
-        <p:cNvGrpSpPr/>
-        <p:nvPr/>
-      </p:nvGrpSpPr>
-      <p:grpSpPr>
-        <a:xfrm>
-          <a:off x="0" y="0"/>
-          <a:ext cx="0" cy="0"/>
-          <a:chOff x="0" y="0"/>
-          <a:chExt cx="0" cy="0"/>
-        </a:xfrm>
-      </p:grpSpPr>
-      <p:sp>
-        <p:nvSpPr>
-          <p:cNvPr id="2" name="Title 1"/>
-          <p:cNvSpPr>
-            <a:spLocks noGrp="1"/>
-          </p:cNvSpPr>
-          <p:nvPr>
-            <p:ph type="title"/>
-          </p:nvPr>
-        </p:nvSpPr>
-        <p:spPr/>
-        <p:txBody>
-          <a:bodyPr/>
-          <a:lstStyle/>
-          <a:p>
-            <a:r>
-              <a:rPr lang="en-US" dirty="0"/>
-              <a:t>R – Centralities</a:t>
-            </a:r>
-          </a:p>
-        </p:txBody>
-      </p:sp>
-    </p:spTree>
-    <p:extLst>
-      <p:ext uri="{BB962C8B-B14F-4D97-AF65-F5344CB8AC3E}">
-        <p14:creationId xmlns:p14="http://schemas.microsoft.com/office/powerpoint/2010/main" val="266983669"/>
-      </p:ext>
-    </p:extLst>
-  </p:cSld>
-  <p:clrMapOvr>
-    <a:masterClrMapping/>
-  </p:clrMapOvr>
-</p:sld>
-</file>
-
-<file path=ppt/slides/slide19.xml><?xml version="1.0" encoding="utf-8"?>
-<p:sld xmlns:a="http://schemas.openxmlformats.org/drawingml/2006/main" xmlns:r="http://schemas.openxmlformats.org/officeDocument/2006/relationships" xmlns:p="http://schemas.openxmlformats.org/presentationml/2006/main">
-  <p:cSld>
     <p:bg>
       <p:bgPr>
         <a:solidFill>
@@ -4802,6 +4749,94 @@
 </p:sld>
 </file>
 
+<file path=ppt/slides/slide19.xml><?xml version="1.0" encoding="utf-8"?>
+<p:sld xmlns:a="http://schemas.openxmlformats.org/drawingml/2006/main" xmlns:r="http://schemas.openxmlformats.org/officeDocument/2006/relationships" xmlns:p="http://schemas.openxmlformats.org/presentationml/2006/main">
+  <p:cSld>
+    <p:spTree>
+      <p:nvGrpSpPr>
+        <p:cNvPr id="1" name=""/>
+        <p:cNvGrpSpPr/>
+        <p:nvPr/>
+      </p:nvGrpSpPr>
+      <p:grpSpPr>
+        <a:xfrm>
+          <a:off x="0" y="0"/>
+          <a:ext cx="0" cy="0"/>
+          <a:chOff x="0" y="0"/>
+          <a:chExt cx="0" cy="0"/>
+        </a:xfrm>
+      </p:grpSpPr>
+      <p:sp>
+        <p:nvSpPr>
+          <p:cNvPr id="2" name="Title 1"/>
+          <p:cNvSpPr>
+            <a:spLocks noGrp="1"/>
+          </p:cNvSpPr>
+          <p:nvPr>
+            <p:ph type="title"/>
+          </p:nvPr>
+        </p:nvSpPr>
+        <p:spPr/>
+        <p:txBody>
+          <a:bodyPr/>
+          <a:lstStyle/>
+          <a:p>
+            <a:r>
+              <a:rPr lang="en-US" dirty="0"/>
+              <a:t>Dyads</a:t>
+            </a:r>
+          </a:p>
+        </p:txBody>
+      </p:sp>
+      <p:sp>
+        <p:nvSpPr>
+          <p:cNvPr id="3" name="Content Placeholder 2"/>
+          <p:cNvSpPr>
+            <a:spLocks noGrp="1"/>
+          </p:cNvSpPr>
+          <p:nvPr>
+            <p:ph idx="1"/>
+          </p:nvPr>
+        </p:nvSpPr>
+        <p:spPr/>
+        <p:txBody>
+          <a:bodyPr>
+            <a:normAutofit/>
+          </a:bodyPr>
+          <a:lstStyle/>
+          <a:p>
+            <a:r>
+              <a:rPr lang="en-US" dirty="0"/>
+              <a:t>Reciprocity</a:t>
+            </a:r>
+          </a:p>
+          <a:p>
+            <a:pPr lvl="1"/>
+            <a:endParaRPr lang="en-US" dirty="0"/>
+          </a:p>
+          <a:p>
+            <a:pPr lvl="1"/>
+            <a:endParaRPr lang="en-US" dirty="0"/>
+          </a:p>
+          <a:p>
+            <a:pPr lvl="1"/>
+            <a:endParaRPr lang="en-US" dirty="0"/>
+          </a:p>
+        </p:txBody>
+      </p:sp>
+    </p:spTree>
+    <p:extLst>
+      <p:ext uri="{BB962C8B-B14F-4D97-AF65-F5344CB8AC3E}">
+        <p14:creationId xmlns:p14="http://schemas.microsoft.com/office/powerpoint/2010/main" val="1573806011"/>
+      </p:ext>
+    </p:extLst>
+  </p:cSld>
+  <p:clrMapOvr>
+    <a:masterClrMapping/>
+  </p:clrMapOvr>
+</p:sld>
+</file>
+
 <file path=ppt/slides/slide2.xml><?xml version="1.0" encoding="utf-8"?>
 <p:sld xmlns:a="http://schemas.openxmlformats.org/drawingml/2006/main" xmlns:r="http://schemas.openxmlformats.org/officeDocument/2006/relationships" xmlns:p="http://schemas.openxmlformats.org/presentationml/2006/main">
   <p:cSld>
@@ -4882,19 +4917,18 @@
             </a:r>
           </a:p>
           <a:p>
+            <a:r>
+              <a:rPr lang="en-US" dirty="0"/>
+              <a:t>Dyads and Triads</a:t>
+            </a:r>
+          </a:p>
+          <a:p>
             <a:endParaRPr lang="en-US" dirty="0"/>
           </a:p>
           <a:p>
-            <a:endParaRPr lang="en-US" dirty="0"/>
-          </a:p>
-          <a:p>
-            <a:r>
-              <a:rPr lang="en-US"/>
-              <a:t>If </a:t>
-            </a:r>
-            <a:r>
-              <a:rPr lang="en-US" dirty="0"/>
-              <a:t>you are interested in network analysis…</a:t>
+            <a:r>
+              <a:rPr lang="en-US" dirty="0"/>
+              <a:t>If you are interested in network analysis…</a:t>
             </a:r>
           </a:p>
           <a:p>
@@ -5109,94 +5143,6 @@
             <p:ph type="title"/>
           </p:nvPr>
         </p:nvSpPr>
-        <p:spPr/>
-        <p:txBody>
-          <a:bodyPr/>
-          <a:lstStyle/>
-          <a:p>
-            <a:r>
-              <a:rPr lang="en-US" dirty="0"/>
-              <a:t>Dyads</a:t>
-            </a:r>
-          </a:p>
-        </p:txBody>
-      </p:sp>
-      <p:sp>
-        <p:nvSpPr>
-          <p:cNvPr id="3" name="Content Placeholder 2"/>
-          <p:cNvSpPr>
-            <a:spLocks noGrp="1"/>
-          </p:cNvSpPr>
-          <p:nvPr>
-            <p:ph idx="1"/>
-          </p:nvPr>
-        </p:nvSpPr>
-        <p:spPr/>
-        <p:txBody>
-          <a:bodyPr>
-            <a:normAutofit/>
-          </a:bodyPr>
-          <a:lstStyle/>
-          <a:p>
-            <a:r>
-              <a:rPr lang="en-US" dirty="0"/>
-              <a:t>Reciprocity</a:t>
-            </a:r>
-          </a:p>
-          <a:p>
-            <a:pPr lvl="1"/>
-            <a:endParaRPr lang="en-US" dirty="0"/>
-          </a:p>
-          <a:p>
-            <a:pPr lvl="1"/>
-            <a:endParaRPr lang="en-US" dirty="0"/>
-          </a:p>
-          <a:p>
-            <a:pPr lvl="1"/>
-            <a:endParaRPr lang="en-US" dirty="0"/>
-          </a:p>
-        </p:txBody>
-      </p:sp>
-    </p:spTree>
-    <p:extLst>
-      <p:ext uri="{BB962C8B-B14F-4D97-AF65-F5344CB8AC3E}">
-        <p14:creationId xmlns:p14="http://schemas.microsoft.com/office/powerpoint/2010/main" val="1573806011"/>
-      </p:ext>
-    </p:extLst>
-  </p:cSld>
-  <p:clrMapOvr>
-    <a:masterClrMapping/>
-  </p:clrMapOvr>
-</p:sld>
-</file>
-
-<file path=ppt/slides/slide21.xml><?xml version="1.0" encoding="utf-8"?>
-<p:sld xmlns:a="http://schemas.openxmlformats.org/drawingml/2006/main" xmlns:r="http://schemas.openxmlformats.org/officeDocument/2006/relationships" xmlns:p="http://schemas.openxmlformats.org/presentationml/2006/main">
-  <p:cSld>
-    <p:spTree>
-      <p:nvGrpSpPr>
-        <p:cNvPr id="1" name=""/>
-        <p:cNvGrpSpPr/>
-        <p:nvPr/>
-      </p:nvGrpSpPr>
-      <p:grpSpPr>
-        <a:xfrm>
-          <a:off x="0" y="0"/>
-          <a:ext cx="0" cy="0"/>
-          <a:chOff x="0" y="0"/>
-          <a:chExt cx="0" cy="0"/>
-        </a:xfrm>
-      </p:grpSpPr>
-      <p:sp>
-        <p:nvSpPr>
-          <p:cNvPr id="2" name="Title 1"/>
-          <p:cNvSpPr>
-            <a:spLocks noGrp="1"/>
-          </p:cNvSpPr>
-          <p:nvPr>
-            <p:ph type="title"/>
-          </p:nvPr>
-        </p:nvSpPr>
         <p:spPr>
           <a:xfrm>
             <a:off x="838200" y="365125"/>
@@ -5664,7 +5610,7 @@
           <a:p>
             <a:r>
               <a:rPr lang="en-US" dirty="0"/>
-              <a:t>Personality -&gt; central actors</a:t>
+              <a:t>Personality -&gt; Central actors</a:t>
             </a:r>
           </a:p>
         </p:txBody>
